--- a/NELFUND_Navigator_Presentation.pptx
+++ b/NELFUND_Navigator_Presentation.pptx
@@ -312,6 +312,13 @@
               <a:schemeClr val="lt1"/>
             </a:fontRef>
           </p:style>
+          <p:txBody>
+            <a:bodyPr/>
+            <a:lstStyle/>
+            <a:p>
+              <a:endParaRPr lang="en-US"/>
+            </a:p>
+          </p:txBody>
         </p:sp>
         <p:sp>
           <p:nvSpPr>
@@ -377,6 +384,13 @@
               <a:schemeClr val="lt1"/>
             </a:fontRef>
           </p:style>
+          <p:txBody>
+            <a:bodyPr/>
+            <a:lstStyle/>
+            <a:p>
+              <a:endParaRPr lang="en-US"/>
+            </a:p>
+          </p:txBody>
         </p:sp>
         <p:sp>
           <p:nvSpPr>
@@ -439,6 +453,13 @@
               <a:schemeClr val="lt1"/>
             </a:fontRef>
           </p:style>
+          <p:txBody>
+            <a:bodyPr/>
+            <a:lstStyle/>
+            <a:p>
+              <a:endParaRPr lang="en-US"/>
+            </a:p>
+          </p:txBody>
         </p:sp>
         <p:sp>
           <p:nvSpPr>
@@ -503,6 +524,13 @@
               <a:schemeClr val="lt1"/>
             </a:fontRef>
           </p:style>
+          <p:txBody>
+            <a:bodyPr/>
+            <a:lstStyle/>
+            <a:p>
+              <a:endParaRPr lang="en-US"/>
+            </a:p>
+          </p:txBody>
         </p:sp>
         <p:sp>
           <p:nvSpPr>
@@ -570,6 +598,13 @@
               <a:schemeClr val="lt1"/>
             </a:fontRef>
           </p:style>
+          <p:txBody>
+            <a:bodyPr/>
+            <a:lstStyle/>
+            <a:p>
+              <a:endParaRPr lang="en-US"/>
+            </a:p>
+          </p:txBody>
         </p:sp>
         <p:sp>
           <p:nvSpPr>
@@ -635,6 +670,13 @@
               <a:schemeClr val="lt1"/>
             </a:fontRef>
           </p:style>
+          <p:txBody>
+            <a:bodyPr/>
+            <a:lstStyle/>
+            <a:p>
+              <a:endParaRPr lang="en-US"/>
+            </a:p>
+          </p:txBody>
         </p:sp>
         <p:sp>
           <p:nvSpPr>
@@ -697,6 +739,13 @@
               <a:schemeClr val="lt1"/>
             </a:fontRef>
           </p:style>
+          <p:txBody>
+            <a:bodyPr/>
+            <a:lstStyle/>
+            <a:p>
+              <a:endParaRPr lang="en-US"/>
+            </a:p>
+          </p:txBody>
         </p:sp>
         <p:sp>
           <p:nvSpPr>
@@ -760,6 +809,13 @@
               <a:schemeClr val="lt1"/>
             </a:fontRef>
           </p:style>
+          <p:txBody>
+            <a:bodyPr/>
+            <a:lstStyle/>
+            <a:p>
+              <a:endParaRPr lang="en-US"/>
+            </a:p>
+          </p:txBody>
         </p:sp>
       </p:grpSp>
       <p:sp>
@@ -937,7 +993,7 @@
           <a:p>
             <a:fld id="{5BCAD085-E8A6-8845-BD4E-CB4CCA059FC4}" type="datetimeFigureOut">
               <a:rPr lang="en-US" smtClean="0"/>
-              <a:t>1/14/2026</a:t>
+              <a:t>1/15/2026</a:t>
             </a:fld>
             <a:endParaRPr lang="en-US"/>
           </a:p>
@@ -995,13 +1051,13 @@
   <p:clrMapOvr>
     <a:masterClrMapping/>
   </p:clrMapOvr>
-  <mc:AlternateContent xmlns:mc="http://schemas.openxmlformats.org/markup-compatibility/2006">
-    <mc:Choice xmlns:p15="http://schemas.microsoft.com/office/powerpoint/2012/main" Requires="p15">
+  <mc:AlternateContent xmlns:mc="http://schemas.openxmlformats.org/markup-compatibility/2006" xmlns:p15="http://schemas.microsoft.com/office/powerpoint/2012/main">
+    <mc:Choice Requires="p15">
       <p:transition xmlns:p14="http://schemas.microsoft.com/office/powerpoint/2010/main" spd="slow" p14:dur="6000">
         <p15:prstTrans prst="curtains"/>
       </p:transition>
     </mc:Choice>
-    <mc:Fallback>
+    <mc:Fallback xmlns="">
       <p:transition spd="slow">
         <p:fade/>
       </p:transition>
@@ -1200,7 +1256,7 @@
           <a:p>
             <a:fld id="{5BCAD085-E8A6-8845-BD4E-CB4CCA059FC4}" type="datetimeFigureOut">
               <a:rPr lang="en-US" smtClean="0"/>
-              <a:t>1/14/2026</a:t>
+              <a:t>1/15/2026</a:t>
             </a:fld>
             <a:endParaRPr lang="en-US"/>
           </a:p>
@@ -1258,13 +1314,13 @@
   <p:clrMapOvr>
     <a:masterClrMapping/>
   </p:clrMapOvr>
-  <mc:AlternateContent xmlns:mc="http://schemas.openxmlformats.org/markup-compatibility/2006">
-    <mc:Choice xmlns:p15="http://schemas.microsoft.com/office/powerpoint/2012/main" Requires="p15">
+  <mc:AlternateContent xmlns:mc="http://schemas.openxmlformats.org/markup-compatibility/2006" xmlns:p15="http://schemas.microsoft.com/office/powerpoint/2012/main">
+    <mc:Choice Requires="p15">
       <p:transition xmlns:p14="http://schemas.microsoft.com/office/powerpoint/2010/main" spd="slow" p14:dur="6000">
         <p15:prstTrans prst="curtains"/>
       </p:transition>
     </mc:Choice>
-    <mc:Fallback>
+    <mc:Fallback xmlns="">
       <p:transition spd="slow">
         <p:fade/>
       </p:transition>
@@ -1526,7 +1582,7 @@
           <a:p>
             <a:fld id="{5BCAD085-E8A6-8845-BD4E-CB4CCA059FC4}" type="datetimeFigureOut">
               <a:rPr lang="en-US" smtClean="0"/>
-              <a:t>1/14/2026</a:t>
+              <a:t>1/15/2026</a:t>
             </a:fld>
             <a:endParaRPr lang="en-US"/>
           </a:p>
@@ -1666,13 +1722,13 @@
   <p:clrMapOvr>
     <a:masterClrMapping/>
   </p:clrMapOvr>
-  <mc:AlternateContent xmlns:mc="http://schemas.openxmlformats.org/markup-compatibility/2006">
-    <mc:Choice xmlns:p15="http://schemas.microsoft.com/office/powerpoint/2012/main" Requires="p15">
+  <mc:AlternateContent xmlns:mc="http://schemas.openxmlformats.org/markup-compatibility/2006" xmlns:p15="http://schemas.microsoft.com/office/powerpoint/2012/main">
+    <mc:Choice Requires="p15">
       <p:transition xmlns:p14="http://schemas.microsoft.com/office/powerpoint/2010/main" spd="slow" p14:dur="6000">
         <p15:prstTrans prst="curtains"/>
       </p:transition>
     </mc:Choice>
-    <mc:Fallback>
+    <mc:Fallback xmlns="">
       <p:transition spd="slow">
         <p:fade/>
       </p:transition>
@@ -1871,7 +1927,7 @@
           <a:p>
             <a:fld id="{5BCAD085-E8A6-8845-BD4E-CB4CCA059FC4}" type="datetimeFigureOut">
               <a:rPr lang="en-US" smtClean="0"/>
-              <a:t>1/14/2026</a:t>
+              <a:t>1/15/2026</a:t>
             </a:fld>
             <a:endParaRPr lang="en-US"/>
           </a:p>
@@ -1929,13 +1985,13 @@
   <p:clrMapOvr>
     <a:masterClrMapping/>
   </p:clrMapOvr>
-  <mc:AlternateContent xmlns:mc="http://schemas.openxmlformats.org/markup-compatibility/2006">
-    <mc:Choice xmlns:p15="http://schemas.microsoft.com/office/powerpoint/2012/main" Requires="p15">
+  <mc:AlternateContent xmlns:mc="http://schemas.openxmlformats.org/markup-compatibility/2006" xmlns:p15="http://schemas.microsoft.com/office/powerpoint/2012/main">
+    <mc:Choice Requires="p15">
       <p:transition xmlns:p14="http://schemas.microsoft.com/office/powerpoint/2010/main" spd="slow" p14:dur="6000">
         <p15:prstTrans prst="curtains"/>
       </p:transition>
     </mc:Choice>
-    <mc:Fallback>
+    <mc:Fallback xmlns="">
       <p:transition spd="slow">
         <p:fade/>
       </p:transition>
@@ -2197,7 +2253,7 @@
           <a:p>
             <a:fld id="{5BCAD085-E8A6-8845-BD4E-CB4CCA059FC4}" type="datetimeFigureOut">
               <a:rPr lang="en-US" smtClean="0"/>
-              <a:t>1/14/2026</a:t>
+              <a:t>1/15/2026</a:t>
             </a:fld>
             <a:endParaRPr lang="en-US"/>
           </a:p>
@@ -2337,13 +2393,13 @@
   <p:clrMapOvr>
     <a:masterClrMapping/>
   </p:clrMapOvr>
-  <mc:AlternateContent xmlns:mc="http://schemas.openxmlformats.org/markup-compatibility/2006">
-    <mc:Choice xmlns:p15="http://schemas.microsoft.com/office/powerpoint/2012/main" Requires="p15">
+  <mc:AlternateContent xmlns:mc="http://schemas.openxmlformats.org/markup-compatibility/2006" xmlns:p15="http://schemas.microsoft.com/office/powerpoint/2012/main">
+    <mc:Choice Requires="p15">
       <p:transition xmlns:p14="http://schemas.microsoft.com/office/powerpoint/2010/main" spd="slow" p14:dur="6000">
         <p15:prstTrans prst="curtains"/>
       </p:transition>
     </mc:Choice>
-    <mc:Fallback>
+    <mc:Fallback xmlns="">
       <p:transition spd="slow">
         <p:fade/>
       </p:transition>
@@ -2602,7 +2658,7 @@
           <a:p>
             <a:fld id="{5BCAD085-E8A6-8845-BD4E-CB4CCA059FC4}" type="datetimeFigureOut">
               <a:rPr lang="en-US" smtClean="0"/>
-              <a:t>1/14/2026</a:t>
+              <a:t>1/15/2026</a:t>
             </a:fld>
             <a:endParaRPr lang="en-US"/>
           </a:p>
@@ -2660,13 +2716,13 @@
   <p:clrMapOvr>
     <a:masterClrMapping/>
   </p:clrMapOvr>
-  <mc:AlternateContent xmlns:mc="http://schemas.openxmlformats.org/markup-compatibility/2006">
-    <mc:Choice xmlns:p15="http://schemas.microsoft.com/office/powerpoint/2012/main" Requires="p15">
+  <mc:AlternateContent xmlns:mc="http://schemas.openxmlformats.org/markup-compatibility/2006" xmlns:p15="http://schemas.microsoft.com/office/powerpoint/2012/main">
+    <mc:Choice Requires="p15">
       <p:transition xmlns:p14="http://schemas.microsoft.com/office/powerpoint/2010/main" spd="slow" p14:dur="6000">
         <p15:prstTrans prst="curtains"/>
       </p:transition>
     </mc:Choice>
-    <mc:Fallback>
+    <mc:Fallback xmlns="">
       <p:transition spd="slow">
         <p:fade/>
       </p:transition>
@@ -2784,7 +2840,7 @@
           <a:p>
             <a:fld id="{5BCAD085-E8A6-8845-BD4E-CB4CCA059FC4}" type="datetimeFigureOut">
               <a:rPr lang="en-US" smtClean="0"/>
-              <a:t>1/14/2026</a:t>
+              <a:t>1/15/2026</a:t>
             </a:fld>
             <a:endParaRPr lang="en-US"/>
           </a:p>
@@ -2842,13 +2898,13 @@
   <p:clrMapOvr>
     <a:masterClrMapping/>
   </p:clrMapOvr>
-  <mc:AlternateContent xmlns:mc="http://schemas.openxmlformats.org/markup-compatibility/2006">
-    <mc:Choice xmlns:p15="http://schemas.microsoft.com/office/powerpoint/2012/main" Requires="p15">
+  <mc:AlternateContent xmlns:mc="http://schemas.openxmlformats.org/markup-compatibility/2006" xmlns:p15="http://schemas.microsoft.com/office/powerpoint/2012/main">
+    <mc:Choice Requires="p15">
       <p:transition xmlns:p14="http://schemas.microsoft.com/office/powerpoint/2010/main" spd="slow" p14:dur="6000">
         <p15:prstTrans prst="curtains"/>
       </p:transition>
     </mc:Choice>
-    <mc:Fallback>
+    <mc:Fallback xmlns="">
       <p:transition spd="slow">
         <p:fade/>
       </p:transition>
@@ -2976,7 +3032,7 @@
           <a:p>
             <a:fld id="{5BCAD085-E8A6-8845-BD4E-CB4CCA059FC4}" type="datetimeFigureOut">
               <a:rPr lang="en-US" smtClean="0"/>
-              <a:t>1/14/2026</a:t>
+              <a:t>1/15/2026</a:t>
             </a:fld>
             <a:endParaRPr lang="en-US"/>
           </a:p>
@@ -3034,13 +3090,13 @@
   <p:clrMapOvr>
     <a:masterClrMapping/>
   </p:clrMapOvr>
-  <mc:AlternateContent xmlns:mc="http://schemas.openxmlformats.org/markup-compatibility/2006">
-    <mc:Choice xmlns:p15="http://schemas.microsoft.com/office/powerpoint/2012/main" Requires="p15">
+  <mc:AlternateContent xmlns:mc="http://schemas.openxmlformats.org/markup-compatibility/2006" xmlns:p15="http://schemas.microsoft.com/office/powerpoint/2012/main">
+    <mc:Choice Requires="p15">
       <p:transition xmlns:p14="http://schemas.microsoft.com/office/powerpoint/2010/main" spd="slow" p14:dur="6000">
         <p15:prstTrans prst="curtains"/>
       </p:transition>
     </mc:Choice>
-    <mc:Fallback>
+    <mc:Fallback xmlns="">
       <p:transition spd="slow">
         <p:fade/>
       </p:transition>
@@ -3158,7 +3214,7 @@
           <a:p>
             <a:fld id="{5BCAD085-E8A6-8845-BD4E-CB4CCA059FC4}" type="datetimeFigureOut">
               <a:rPr lang="en-US" smtClean="0"/>
-              <a:t>1/14/2026</a:t>
+              <a:t>1/15/2026</a:t>
             </a:fld>
             <a:endParaRPr lang="en-US"/>
           </a:p>
@@ -3216,13 +3272,13 @@
   <p:clrMapOvr>
     <a:masterClrMapping/>
   </p:clrMapOvr>
-  <mc:AlternateContent xmlns:mc="http://schemas.openxmlformats.org/markup-compatibility/2006">
-    <mc:Choice xmlns:p15="http://schemas.microsoft.com/office/powerpoint/2012/main" Requires="p15">
+  <mc:AlternateContent xmlns:mc="http://schemas.openxmlformats.org/markup-compatibility/2006" xmlns:p15="http://schemas.microsoft.com/office/powerpoint/2012/main">
+    <mc:Choice Requires="p15">
       <p:transition xmlns:p14="http://schemas.microsoft.com/office/powerpoint/2010/main" spd="slow" p14:dur="6000">
         <p15:prstTrans prst="curtains"/>
       </p:transition>
     </mc:Choice>
-    <mc:Fallback>
+    <mc:Fallback xmlns="">
       <p:transition spd="slow">
         <p:fade/>
       </p:transition>
@@ -3417,7 +3473,7 @@
           <a:p>
             <a:fld id="{5BCAD085-E8A6-8845-BD4E-CB4CCA059FC4}" type="datetimeFigureOut">
               <a:rPr lang="en-US" smtClean="0"/>
-              <a:t>1/14/2026</a:t>
+              <a:t>1/15/2026</a:t>
             </a:fld>
             <a:endParaRPr lang="en-US"/>
           </a:p>
@@ -3475,13 +3531,13 @@
   <p:clrMapOvr>
     <a:masterClrMapping/>
   </p:clrMapOvr>
-  <mc:AlternateContent xmlns:mc="http://schemas.openxmlformats.org/markup-compatibility/2006">
-    <mc:Choice xmlns:p15="http://schemas.microsoft.com/office/powerpoint/2012/main" Requires="p15">
+  <mc:AlternateContent xmlns:mc="http://schemas.openxmlformats.org/markup-compatibility/2006" xmlns:p15="http://schemas.microsoft.com/office/powerpoint/2012/main">
+    <mc:Choice Requires="p15">
       <p:transition xmlns:p14="http://schemas.microsoft.com/office/powerpoint/2010/main" spd="slow" p14:dur="6000">
         <p15:prstTrans prst="curtains"/>
       </p:transition>
     </mc:Choice>
-    <mc:Fallback>
+    <mc:Fallback xmlns="">
       <p:transition spd="slow">
         <p:fade/>
       </p:transition>
@@ -3726,7 +3782,7 @@
           <a:p>
             <a:fld id="{5BCAD085-E8A6-8845-BD4E-CB4CCA059FC4}" type="datetimeFigureOut">
               <a:rPr lang="en-US" smtClean="0"/>
-              <a:t>1/14/2026</a:t>
+              <a:t>1/15/2026</a:t>
             </a:fld>
             <a:endParaRPr lang="en-US"/>
           </a:p>
@@ -3784,13 +3840,13 @@
   <p:clrMapOvr>
     <a:masterClrMapping/>
   </p:clrMapOvr>
-  <mc:AlternateContent xmlns:mc="http://schemas.openxmlformats.org/markup-compatibility/2006">
-    <mc:Choice xmlns:p15="http://schemas.microsoft.com/office/powerpoint/2012/main" Requires="p15">
+  <mc:AlternateContent xmlns:mc="http://schemas.openxmlformats.org/markup-compatibility/2006" xmlns:p15="http://schemas.microsoft.com/office/powerpoint/2012/main">
+    <mc:Choice Requires="p15">
       <p:transition xmlns:p14="http://schemas.microsoft.com/office/powerpoint/2010/main" spd="slow" p14:dur="6000">
         <p15:prstTrans prst="curtains"/>
       </p:transition>
     </mc:Choice>
-    <mc:Fallback>
+    <mc:Fallback xmlns="">
       <p:transition spd="slow">
         <p:fade/>
       </p:transition>
@@ -4117,7 +4173,7 @@
           <a:p>
             <a:fld id="{5BCAD085-E8A6-8845-BD4E-CB4CCA059FC4}" type="datetimeFigureOut">
               <a:rPr lang="en-US" smtClean="0"/>
-              <a:t>1/14/2026</a:t>
+              <a:t>1/15/2026</a:t>
             </a:fld>
             <a:endParaRPr lang="en-US"/>
           </a:p>
@@ -4175,13 +4231,13 @@
   <p:clrMapOvr>
     <a:masterClrMapping/>
   </p:clrMapOvr>
-  <mc:AlternateContent xmlns:mc="http://schemas.openxmlformats.org/markup-compatibility/2006">
-    <mc:Choice xmlns:p15="http://schemas.microsoft.com/office/powerpoint/2012/main" Requires="p15">
+  <mc:AlternateContent xmlns:mc="http://schemas.openxmlformats.org/markup-compatibility/2006" xmlns:p15="http://schemas.microsoft.com/office/powerpoint/2012/main">
+    <mc:Choice Requires="p15">
       <p:transition xmlns:p14="http://schemas.microsoft.com/office/powerpoint/2010/main" spd="slow" p14:dur="6000">
         <p15:prstTrans prst="curtains"/>
       </p:transition>
     </mc:Choice>
-    <mc:Fallback>
+    <mc:Fallback xmlns="">
       <p:transition spd="slow">
         <p:fade/>
       </p:transition>
@@ -4252,7 +4308,7 @@
           <a:p>
             <a:fld id="{5BCAD085-E8A6-8845-BD4E-CB4CCA059FC4}" type="datetimeFigureOut">
               <a:rPr lang="en-US" smtClean="0"/>
-              <a:t>1/14/2026</a:t>
+              <a:t>1/15/2026</a:t>
             </a:fld>
             <a:endParaRPr lang="en-US"/>
           </a:p>
@@ -4310,13 +4366,13 @@
   <p:clrMapOvr>
     <a:masterClrMapping/>
   </p:clrMapOvr>
-  <mc:AlternateContent xmlns:mc="http://schemas.openxmlformats.org/markup-compatibility/2006">
-    <mc:Choice xmlns:p15="http://schemas.microsoft.com/office/powerpoint/2012/main" Requires="p15">
+  <mc:AlternateContent xmlns:mc="http://schemas.openxmlformats.org/markup-compatibility/2006" xmlns:p15="http://schemas.microsoft.com/office/powerpoint/2012/main">
+    <mc:Choice Requires="p15">
       <p:transition xmlns:p14="http://schemas.microsoft.com/office/powerpoint/2010/main" spd="slow" p14:dur="6000">
         <p15:prstTrans prst="curtains"/>
       </p:transition>
     </mc:Choice>
-    <mc:Fallback>
+    <mc:Fallback xmlns="">
       <p:transition spd="slow">
         <p:fade/>
       </p:transition>
@@ -4359,7 +4415,7 @@
           <a:p>
             <a:fld id="{5BCAD085-E8A6-8845-BD4E-CB4CCA059FC4}" type="datetimeFigureOut">
               <a:rPr lang="en-US" smtClean="0"/>
-              <a:t>1/14/2026</a:t>
+              <a:t>1/15/2026</a:t>
             </a:fld>
             <a:endParaRPr lang="en-US"/>
           </a:p>
@@ -4417,13 +4473,13 @@
   <p:clrMapOvr>
     <a:masterClrMapping/>
   </p:clrMapOvr>
-  <mc:AlternateContent xmlns:mc="http://schemas.openxmlformats.org/markup-compatibility/2006">
-    <mc:Choice xmlns:p15="http://schemas.microsoft.com/office/powerpoint/2012/main" Requires="p15">
+  <mc:AlternateContent xmlns:mc="http://schemas.openxmlformats.org/markup-compatibility/2006" xmlns:p15="http://schemas.microsoft.com/office/powerpoint/2012/main">
+    <mc:Choice Requires="p15">
       <p:transition xmlns:p14="http://schemas.microsoft.com/office/powerpoint/2010/main" spd="slow" p14:dur="6000">
         <p15:prstTrans prst="curtains"/>
       </p:transition>
     </mc:Choice>
-    <mc:Fallback>
+    <mc:Fallback xmlns="">
       <p:transition spd="slow">
         <p:fade/>
       </p:transition>
@@ -4626,7 +4682,7 @@
           <a:p>
             <a:fld id="{5BCAD085-E8A6-8845-BD4E-CB4CCA059FC4}" type="datetimeFigureOut">
               <a:rPr lang="en-US" smtClean="0"/>
-              <a:t>1/14/2026</a:t>
+              <a:t>1/15/2026</a:t>
             </a:fld>
             <a:endParaRPr lang="en-US"/>
           </a:p>
@@ -4684,13 +4740,13 @@
   <p:clrMapOvr>
     <a:masterClrMapping/>
   </p:clrMapOvr>
-  <mc:AlternateContent xmlns:mc="http://schemas.openxmlformats.org/markup-compatibility/2006">
-    <mc:Choice xmlns:p15="http://schemas.microsoft.com/office/powerpoint/2012/main" Requires="p15">
+  <mc:AlternateContent xmlns:mc="http://schemas.openxmlformats.org/markup-compatibility/2006" xmlns:p15="http://schemas.microsoft.com/office/powerpoint/2012/main">
+    <mc:Choice Requires="p15">
       <p:transition xmlns:p14="http://schemas.microsoft.com/office/powerpoint/2010/main" spd="slow" p14:dur="6000">
         <p15:prstTrans prst="curtains"/>
       </p:transition>
     </mc:Choice>
-    <mc:Fallback>
+    <mc:Fallback xmlns="">
       <p:transition spd="slow">
         <p:fade/>
       </p:transition>
@@ -4901,7 +4957,7 @@
           <a:p>
             <a:fld id="{5BCAD085-E8A6-8845-BD4E-CB4CCA059FC4}" type="datetimeFigureOut">
               <a:rPr lang="en-US" smtClean="0"/>
-              <a:t>1/14/2026</a:t>
+              <a:t>1/15/2026</a:t>
             </a:fld>
             <a:endParaRPr lang="en-US"/>
           </a:p>
@@ -4959,13 +5015,13 @@
   <p:clrMapOvr>
     <a:masterClrMapping/>
   </p:clrMapOvr>
-  <mc:AlternateContent xmlns:mc="http://schemas.openxmlformats.org/markup-compatibility/2006">
-    <mc:Choice xmlns:p15="http://schemas.microsoft.com/office/powerpoint/2012/main" Requires="p15">
+  <mc:AlternateContent xmlns:mc="http://schemas.openxmlformats.org/markup-compatibility/2006" xmlns:p15="http://schemas.microsoft.com/office/powerpoint/2012/main">
+    <mc:Choice Requires="p15">
       <p:transition xmlns:p14="http://schemas.microsoft.com/office/powerpoint/2010/main" spd="slow" p14:dur="6000">
         <p15:prstTrans prst="curtains"/>
       </p:transition>
     </mc:Choice>
-    <mc:Fallback>
+    <mc:Fallback xmlns="">
       <p:transition spd="slow">
         <p:fade/>
       </p:transition>
@@ -5071,6 +5127,13 @@
               <a:schemeClr val="lt1"/>
             </a:fontRef>
           </p:style>
+          <p:txBody>
+            <a:bodyPr/>
+            <a:lstStyle/>
+            <a:p>
+              <a:endParaRPr lang="en-US"/>
+            </a:p>
+          </p:txBody>
         </p:sp>
         <p:cxnSp>
           <p:nvCxnSpPr>
@@ -5210,6 +5273,13 @@
               <a:schemeClr val="lt1"/>
             </a:fontRef>
           </p:style>
+          <p:txBody>
+            <a:bodyPr/>
+            <a:lstStyle/>
+            <a:p>
+              <a:endParaRPr lang="en-US"/>
+            </a:p>
+          </p:txBody>
         </p:sp>
         <p:sp>
           <p:nvSpPr>
@@ -5275,6 +5345,13 @@
               <a:schemeClr val="lt1"/>
             </a:fontRef>
           </p:style>
+          <p:txBody>
+            <a:bodyPr/>
+            <a:lstStyle/>
+            <a:p>
+              <a:endParaRPr lang="en-US"/>
+            </a:p>
+          </p:txBody>
         </p:sp>
         <p:sp>
           <p:nvSpPr>
@@ -5337,6 +5414,13 @@
               <a:schemeClr val="lt1"/>
             </a:fontRef>
           </p:style>
+          <p:txBody>
+            <a:bodyPr/>
+            <a:lstStyle/>
+            <a:p>
+              <a:endParaRPr lang="en-US"/>
+            </a:p>
+          </p:txBody>
         </p:sp>
         <p:sp>
           <p:nvSpPr>
@@ -5401,6 +5485,13 @@
               <a:schemeClr val="lt1"/>
             </a:fontRef>
           </p:style>
+          <p:txBody>
+            <a:bodyPr/>
+            <a:lstStyle/>
+            <a:p>
+              <a:endParaRPr lang="en-US"/>
+            </a:p>
+          </p:txBody>
         </p:sp>
         <p:sp>
           <p:nvSpPr>
@@ -5468,6 +5559,13 @@
               <a:schemeClr val="lt1"/>
             </a:fontRef>
           </p:style>
+          <p:txBody>
+            <a:bodyPr/>
+            <a:lstStyle/>
+            <a:p>
+              <a:endParaRPr lang="en-US"/>
+            </a:p>
+          </p:txBody>
         </p:sp>
         <p:sp>
           <p:nvSpPr>
@@ -5533,6 +5631,13 @@
               <a:schemeClr val="lt1"/>
             </a:fontRef>
           </p:style>
+          <p:txBody>
+            <a:bodyPr/>
+            <a:lstStyle/>
+            <a:p>
+              <a:endParaRPr lang="en-US"/>
+            </a:p>
+          </p:txBody>
         </p:sp>
         <p:sp>
           <p:nvSpPr>
@@ -5595,6 +5700,13 @@
               <a:schemeClr val="lt1"/>
             </a:fontRef>
           </p:style>
+          <p:txBody>
+            <a:bodyPr/>
+            <a:lstStyle/>
+            <a:p>
+              <a:endParaRPr lang="en-US"/>
+            </a:p>
+          </p:txBody>
         </p:sp>
       </p:grpSp>
       <p:sp>
@@ -5727,7 +5839,7 @@
           <a:p>
             <a:fld id="{5BCAD085-E8A6-8845-BD4E-CB4CCA059FC4}" type="datetimeFigureOut">
               <a:rPr lang="en-US" smtClean="0"/>
-              <a:t>1/14/2026</a:t>
+              <a:t>1/15/2026</a:t>
             </a:fld>
             <a:endParaRPr lang="en-US"/>
           </a:p>
@@ -5835,13 +5947,13 @@
     <p:sldLayoutId id="2147483675" r:id="rId15"/>
     <p:sldLayoutId id="2147483676" r:id="rId16"/>
   </p:sldLayoutIdLst>
-  <mc:AlternateContent xmlns:mc="http://schemas.openxmlformats.org/markup-compatibility/2006">
-    <mc:Choice xmlns:p15="http://schemas.microsoft.com/office/powerpoint/2012/main" Requires="p15">
+  <mc:AlternateContent xmlns:mc="http://schemas.openxmlformats.org/markup-compatibility/2006" xmlns:p15="http://schemas.microsoft.com/office/powerpoint/2012/main">
+    <mc:Choice Requires="p15">
       <p:transition xmlns:p14="http://schemas.microsoft.com/office/powerpoint/2010/main" spd="slow" p14:dur="6000">
         <p15:prstTrans prst="curtains"/>
       </p:transition>
     </mc:Choice>
-    <mc:Fallback>
+    <mc:Fallback xmlns="">
       <p:transition spd="slow">
         <p:fade/>
       </p:transition>
@@ -6320,8 +6432,8 @@
         </p:nvSpPr>
         <p:spPr>
           <a:xfrm>
-            <a:off x="695325" y="3564255"/>
-            <a:ext cx="7343775" cy="954107"/>
+            <a:off x="457200" y="3149858"/>
+            <a:ext cx="8077200" cy="3046988"/>
           </a:xfrm>
           <a:prstGeom prst="rect">
             <a:avLst/>
@@ -6342,20 +6454,124 @@
               </a:defRPr>
             </a:pPr>
             <a:r>
-              <a:rPr i="1" dirty="0">
-                <a:latin typeface="Century" panose="02040604050505020304" pitchFamily="18" charset="0"/>
+              <a:rPr sz="2400" i="1" dirty="0">
+                <a:latin typeface="Gill Sans MT Condensed" panose="020B0506020104020203" pitchFamily="34" charset="0"/>
               </a:rPr>
               <a:t>AI-Powered Student Loan Assistant for Nigerian Students</a:t>
             </a:r>
             <a:r>
-              <a:rPr lang="en-US" i="1" dirty="0">
-                <a:latin typeface="Century" panose="02040604050505020304" pitchFamily="18" charset="0"/>
+              <a:rPr lang="en-US" sz="2400" i="1" dirty="0">
+                <a:latin typeface="Gill Sans MT Condensed" panose="020B0506020104020203" pitchFamily="34" charset="0"/>
               </a:rPr>
               <a:t>.</a:t>
             </a:r>
-            <a:endParaRPr i="1" dirty="0">
-              <a:latin typeface="Century" panose="02040604050505020304" pitchFamily="18" charset="0"/>
+          </a:p>
+          <a:p>
+            <a:pPr algn="ctr">
+              <a:defRPr sz="2800">
+                <a:solidFill>
+                  <a:srgbClr val="555555"/>
+                </a:solidFill>
+              </a:defRPr>
+            </a:pPr>
+            <a:endParaRPr lang="en-US" sz="2400" i="1" dirty="0">
+              <a:latin typeface="Gill Sans MT Condensed" panose="020B0506020104020203" pitchFamily="34" charset="0"/>
             </a:endParaRPr>
+          </a:p>
+          <a:p>
+            <a:pPr algn="ctr">
+              <a:defRPr sz="2800">
+                <a:solidFill>
+                  <a:srgbClr val="555555"/>
+                </a:solidFill>
+              </a:defRPr>
+            </a:pPr>
+            <a:r>
+              <a:rPr lang="en-US" sz="2400" i="1" dirty="0">
+                <a:latin typeface="Gill Sans MT Condensed" panose="020B0506020104020203" pitchFamily="34" charset="0"/>
+              </a:rPr>
+              <a:t>BY.</a:t>
+            </a:r>
+          </a:p>
+          <a:p>
+            <a:pPr algn="ctr">
+              <a:defRPr sz="2800">
+                <a:solidFill>
+                  <a:srgbClr val="555555"/>
+                </a:solidFill>
+              </a:defRPr>
+            </a:pPr>
+            <a:endParaRPr lang="en-US" sz="2400" i="1" dirty="0">
+              <a:latin typeface="Gill Sans MT Condensed" panose="020B0506020104020203" pitchFamily="34" charset="0"/>
+            </a:endParaRPr>
+          </a:p>
+          <a:p>
+            <a:pPr marL="342900" indent="-342900">
+              <a:buFont typeface="Wingdings" panose="05000000000000000000" pitchFamily="2" charset="2"/>
+              <a:buChar char="Ø"/>
+              <a:defRPr sz="2800">
+                <a:solidFill>
+                  <a:srgbClr val="555555"/>
+                </a:solidFill>
+              </a:defRPr>
+            </a:pPr>
+            <a:r>
+              <a:rPr lang="en-US" sz="2400" dirty="0">
+                <a:latin typeface="Gill Sans MT Condensed" panose="020B0506020104020203" pitchFamily="34" charset="0"/>
+              </a:rPr>
+              <a:t>Divine Gbadamosi. (Team Lead, Backend Lead,  and RAG Architecture)  </a:t>
+            </a:r>
+          </a:p>
+          <a:p>
+            <a:pPr marL="342900" indent="-342900">
+              <a:buFont typeface="Wingdings" panose="05000000000000000000" pitchFamily="2" charset="2"/>
+              <a:buChar char="Ø"/>
+              <a:defRPr sz="2800">
+                <a:solidFill>
+                  <a:srgbClr val="555555"/>
+                </a:solidFill>
+              </a:defRPr>
+            </a:pPr>
+            <a:r>
+              <a:rPr lang="en-US" sz="2400" dirty="0">
+                <a:latin typeface="Gill Sans MT Condensed" panose="020B0506020104020203" pitchFamily="34" charset="0"/>
+              </a:rPr>
+              <a:t>Oluwole Oludayo. (Solution Overview and Team Adviser)</a:t>
+            </a:r>
+          </a:p>
+          <a:p>
+            <a:pPr marL="342900" indent="-342900">
+              <a:buFont typeface="Wingdings" panose="05000000000000000000" pitchFamily="2" charset="2"/>
+              <a:buChar char="Ø"/>
+              <a:defRPr sz="2800">
+                <a:solidFill>
+                  <a:srgbClr val="555555"/>
+                </a:solidFill>
+              </a:defRPr>
+            </a:pPr>
+            <a:r>
+              <a:rPr lang="en-US" sz="2400" dirty="0">
+                <a:latin typeface="Gill Sans MT Condensed" panose="020B0506020104020203" pitchFamily="34" charset="0"/>
+              </a:rPr>
+              <a:t>Gbemisola Ololade Victoria. (Frontend Developer)</a:t>
+            </a:r>
+          </a:p>
+          <a:p>
+            <a:pPr marL="342900" indent="-342900">
+              <a:buFont typeface="Wingdings" panose="05000000000000000000" pitchFamily="2" charset="2"/>
+              <a:buChar char="Ø"/>
+              <a:defRPr sz="2800">
+                <a:solidFill>
+                  <a:srgbClr val="555555"/>
+                </a:solidFill>
+              </a:defRPr>
+            </a:pPr>
+            <a:r>
+              <a:rPr lang="en-US" sz="2400" dirty="0">
+                <a:latin typeface="Gill Sans MT Condensed" panose="020B0506020104020203" pitchFamily="34" charset="0"/>
+              </a:rPr>
+              <a:t>Odefemi Adebola Adebisi. (Frontend Developer)</a:t>
+            </a:r>
           </a:p>
         </p:txBody>
       </p:sp>
@@ -6364,13 +6580,13 @@
   <p:clrMapOvr>
     <a:masterClrMapping/>
   </p:clrMapOvr>
-  <mc:AlternateContent xmlns:mc="http://schemas.openxmlformats.org/markup-compatibility/2006">
-    <mc:Choice xmlns:p15="http://schemas.microsoft.com/office/powerpoint/2012/main" Requires="p15">
+  <mc:AlternateContent xmlns:mc="http://schemas.openxmlformats.org/markup-compatibility/2006" xmlns:p15="http://schemas.microsoft.com/office/powerpoint/2012/main">
+    <mc:Choice Requires="p15">
       <p:transition xmlns:p14="http://schemas.microsoft.com/office/powerpoint/2010/main" spd="slow" p14:dur="6000">
         <p15:prstTrans prst="curtains"/>
       </p:transition>
     </mc:Choice>
-    <mc:Fallback>
+    <mc:Fallback xmlns="">
       <p:transition spd="slow">
         <p:fade/>
       </p:transition>
@@ -6683,13 +6899,13 @@
   <p:clrMapOvr>
     <a:masterClrMapping/>
   </p:clrMapOvr>
-  <mc:AlternateContent xmlns:mc="http://schemas.openxmlformats.org/markup-compatibility/2006">
-    <mc:Choice xmlns:p15="http://schemas.microsoft.com/office/powerpoint/2012/main" Requires="p15">
+  <mc:AlternateContent xmlns:mc="http://schemas.openxmlformats.org/markup-compatibility/2006" xmlns:p15="http://schemas.microsoft.com/office/powerpoint/2012/main">
+    <mc:Choice Requires="p15">
       <p:transition xmlns:p14="http://schemas.microsoft.com/office/powerpoint/2010/main" spd="slow" p14:dur="6000">
         <p15:prstTrans prst="curtains"/>
       </p:transition>
     </mc:Choice>
-    <mc:Fallback>
+    <mc:Fallback xmlns="">
       <p:transition spd="slow">
         <p:fade/>
       </p:transition>
@@ -6755,13 +6971,13 @@
   <p:clrMapOvr>
     <a:masterClrMapping/>
   </p:clrMapOvr>
-  <mc:AlternateContent xmlns:mc="http://schemas.openxmlformats.org/markup-compatibility/2006">
-    <mc:Choice xmlns:p15="http://schemas.microsoft.com/office/powerpoint/2012/main" Requires="p15">
+  <mc:AlternateContent xmlns:mc="http://schemas.openxmlformats.org/markup-compatibility/2006" xmlns:p15="http://schemas.microsoft.com/office/powerpoint/2012/main">
+    <mc:Choice Requires="p15">
       <p:transition xmlns:p14="http://schemas.microsoft.com/office/powerpoint/2010/main" spd="slow" p14:dur="6000">
         <p15:prstTrans prst="curtains"/>
       </p:transition>
     </mc:Choice>
-    <mc:Fallback>
+    <mc:Fallback xmlns="">
       <p:transition spd="slow">
         <p:fade/>
       </p:transition>
@@ -6827,13 +7043,13 @@
   <p:clrMapOvr>
     <a:masterClrMapping/>
   </p:clrMapOvr>
-  <mc:AlternateContent xmlns:mc="http://schemas.openxmlformats.org/markup-compatibility/2006">
-    <mc:Choice xmlns:p15="http://schemas.microsoft.com/office/powerpoint/2012/main" Requires="p15">
+  <mc:AlternateContent xmlns:mc="http://schemas.openxmlformats.org/markup-compatibility/2006" xmlns:p15="http://schemas.microsoft.com/office/powerpoint/2012/main">
+    <mc:Choice Requires="p15">
       <p:transition xmlns:p14="http://schemas.microsoft.com/office/powerpoint/2010/main" spd="slow" p14:dur="6000">
         <p15:prstTrans prst="curtains"/>
       </p:transition>
     </mc:Choice>
-    <mc:Fallback>
+    <mc:Fallback xmlns="">
       <p:transition spd="slow">
         <p:fade/>
       </p:transition>
@@ -7026,13 +7242,13 @@
   <p:clrMapOvr>
     <a:masterClrMapping/>
   </p:clrMapOvr>
-  <mc:AlternateContent xmlns:mc="http://schemas.openxmlformats.org/markup-compatibility/2006">
-    <mc:Choice xmlns:p15="http://schemas.microsoft.com/office/powerpoint/2012/main" Requires="p15">
+  <mc:AlternateContent xmlns:mc="http://schemas.openxmlformats.org/markup-compatibility/2006" xmlns:p15="http://schemas.microsoft.com/office/powerpoint/2012/main">
+    <mc:Choice Requires="p15">
       <p:transition xmlns:p14="http://schemas.microsoft.com/office/powerpoint/2010/main" spd="slow" p14:dur="6000">
         <p15:prstTrans prst="curtains"/>
       </p:transition>
     </mc:Choice>
-    <mc:Fallback>
+    <mc:Fallback xmlns="">
       <p:transition spd="slow">
         <p:fade/>
       </p:transition>
@@ -7325,13 +7541,13 @@
   <p:clrMapOvr>
     <a:masterClrMapping/>
   </p:clrMapOvr>
-  <mc:AlternateContent xmlns:mc="http://schemas.openxmlformats.org/markup-compatibility/2006">
-    <mc:Choice xmlns:p15="http://schemas.microsoft.com/office/powerpoint/2012/main" Requires="p15">
+  <mc:AlternateContent xmlns:mc="http://schemas.openxmlformats.org/markup-compatibility/2006" xmlns:p15="http://schemas.microsoft.com/office/powerpoint/2012/main">
+    <mc:Choice Requires="p15">
       <p:transition xmlns:p14="http://schemas.microsoft.com/office/powerpoint/2010/main" spd="slow" p14:dur="6000">
         <p15:prstTrans prst="curtains"/>
       </p:transition>
     </mc:Choice>
-    <mc:Fallback>
+    <mc:Fallback xmlns="">
       <p:transition spd="slow">
         <p:fade/>
       </p:transition>
@@ -7397,13 +7613,13 @@
   <p:clrMapOvr>
     <a:masterClrMapping/>
   </p:clrMapOvr>
-  <mc:AlternateContent xmlns:mc="http://schemas.openxmlformats.org/markup-compatibility/2006">
-    <mc:Choice xmlns:p15="http://schemas.microsoft.com/office/powerpoint/2012/main" Requires="p15">
+  <mc:AlternateContent xmlns:mc="http://schemas.openxmlformats.org/markup-compatibility/2006" xmlns:p15="http://schemas.microsoft.com/office/powerpoint/2012/main">
+    <mc:Choice Requires="p15">
       <p:transition xmlns:p14="http://schemas.microsoft.com/office/powerpoint/2010/main" spd="slow" p14:dur="6000">
         <p15:prstTrans prst="curtains"/>
       </p:transition>
     </mc:Choice>
-    <mc:Fallback>
+    <mc:Fallback xmlns="">
       <p:transition spd="slow">
         <p:fade/>
       </p:transition>
@@ -7596,13 +7812,13 @@
   <p:clrMapOvr>
     <a:masterClrMapping/>
   </p:clrMapOvr>
-  <mc:AlternateContent xmlns:mc="http://schemas.openxmlformats.org/markup-compatibility/2006">
-    <mc:Choice xmlns:p15="http://schemas.microsoft.com/office/powerpoint/2012/main" Requires="p15">
+  <mc:AlternateContent xmlns:mc="http://schemas.openxmlformats.org/markup-compatibility/2006" xmlns:p15="http://schemas.microsoft.com/office/powerpoint/2012/main">
+    <mc:Choice Requires="p15">
       <p:transition xmlns:p14="http://schemas.microsoft.com/office/powerpoint/2010/main" spd="slow" p14:dur="6000">
         <p15:prstTrans prst="curtains"/>
       </p:transition>
     </mc:Choice>
-    <mc:Fallback>
+    <mc:Fallback xmlns="">
       <p:transition spd="slow">
         <p:fade/>
       </p:transition>
@@ -7795,13 +8011,13 @@
   <p:clrMapOvr>
     <a:masterClrMapping/>
   </p:clrMapOvr>
-  <mc:AlternateContent xmlns:mc="http://schemas.openxmlformats.org/markup-compatibility/2006">
-    <mc:Choice xmlns:p15="http://schemas.microsoft.com/office/powerpoint/2012/main" Requires="p15">
+  <mc:AlternateContent xmlns:mc="http://schemas.openxmlformats.org/markup-compatibility/2006" xmlns:p15="http://schemas.microsoft.com/office/powerpoint/2012/main">
+    <mc:Choice Requires="p15">
       <p:transition xmlns:p14="http://schemas.microsoft.com/office/powerpoint/2010/main" spd="slow" p14:dur="6000">
         <p15:prstTrans prst="curtains"/>
       </p:transition>
     </mc:Choice>
-    <mc:Fallback>
+    <mc:Fallback xmlns="">
       <p:transition spd="slow">
         <p:fade/>
       </p:transition>
@@ -8090,13 +8306,13 @@
   <p:clrMapOvr>
     <a:masterClrMapping/>
   </p:clrMapOvr>
-  <mc:AlternateContent xmlns:mc="http://schemas.openxmlformats.org/markup-compatibility/2006">
-    <mc:Choice xmlns:p15="http://schemas.microsoft.com/office/powerpoint/2012/main" Requires="p15">
+  <mc:AlternateContent xmlns:mc="http://schemas.openxmlformats.org/markup-compatibility/2006" xmlns:p15="http://schemas.microsoft.com/office/powerpoint/2012/main">
+    <mc:Choice Requires="p15">
       <p:transition xmlns:p14="http://schemas.microsoft.com/office/powerpoint/2010/main" spd="slow" p14:dur="6000">
         <p15:prstTrans prst="curtains"/>
       </p:transition>
     </mc:Choice>
-    <mc:Fallback>
+    <mc:Fallback xmlns="">
       <p:transition spd="slow">
         <p:fade/>
       </p:transition>
@@ -8289,13 +8505,13 @@
   <p:clrMapOvr>
     <a:masterClrMapping/>
   </p:clrMapOvr>
-  <mc:AlternateContent xmlns:mc="http://schemas.openxmlformats.org/markup-compatibility/2006">
-    <mc:Choice xmlns:p15="http://schemas.microsoft.com/office/powerpoint/2012/main" Requires="p15">
+  <mc:AlternateContent xmlns:mc="http://schemas.openxmlformats.org/markup-compatibility/2006" xmlns:p15="http://schemas.microsoft.com/office/powerpoint/2012/main">
+    <mc:Choice Requires="p15">
       <p:transition xmlns:p14="http://schemas.microsoft.com/office/powerpoint/2010/main" spd="slow" p14:dur="6000">
         <p15:prstTrans prst="curtains"/>
       </p:transition>
     </mc:Choice>
-    <mc:Fallback>
+    <mc:Fallback xmlns="">
       <p:transition spd="slow">
         <p:fade/>
       </p:transition>
@@ -8488,13 +8704,13 @@
   <p:clrMapOvr>
     <a:masterClrMapping/>
   </p:clrMapOvr>
-  <mc:AlternateContent xmlns:mc="http://schemas.openxmlformats.org/markup-compatibility/2006">
-    <mc:Choice xmlns:p15="http://schemas.microsoft.com/office/powerpoint/2012/main" Requires="p15">
+  <mc:AlternateContent xmlns:mc="http://schemas.openxmlformats.org/markup-compatibility/2006" xmlns:p15="http://schemas.microsoft.com/office/powerpoint/2012/main">
+    <mc:Choice Requires="p15">
       <p:transition xmlns:p14="http://schemas.microsoft.com/office/powerpoint/2010/main" spd="slow" p14:dur="6000">
         <p15:prstTrans prst="curtains"/>
       </p:transition>
     </mc:Choice>
-    <mc:Fallback>
+    <mc:Fallback xmlns="">
       <p:transition spd="slow">
         <p:fade/>
       </p:transition>
@@ -8775,13 +8991,13 @@
   <p:clrMapOvr>
     <a:masterClrMapping/>
   </p:clrMapOvr>
-  <mc:AlternateContent xmlns:mc="http://schemas.openxmlformats.org/markup-compatibility/2006">
-    <mc:Choice xmlns:p15="http://schemas.microsoft.com/office/powerpoint/2012/main" Requires="p15">
+  <mc:AlternateContent xmlns:mc="http://schemas.openxmlformats.org/markup-compatibility/2006" xmlns:p15="http://schemas.microsoft.com/office/powerpoint/2012/main">
+    <mc:Choice Requires="p15">
       <p:transition xmlns:p14="http://schemas.microsoft.com/office/powerpoint/2010/main" spd="slow" p14:dur="6000">
         <p15:prstTrans prst="curtains"/>
       </p:transition>
     </mc:Choice>
-    <mc:Fallback>
+    <mc:Fallback xmlns="">
       <p:transition spd="slow">
         <p:fade/>
       </p:transition>
@@ -8845,6 +9061,7 @@
               </a:defRPr>
             </a:pPr>
             <a:r>
+              <a:rPr dirty="0"/>
               <a:t>Thank You! 🎓</a:t>
             </a:r>
           </a:p>
@@ -8896,13 +9113,13 @@
   <p:clrMapOvr>
     <a:masterClrMapping/>
   </p:clrMapOvr>
-  <mc:AlternateContent xmlns:mc="http://schemas.openxmlformats.org/markup-compatibility/2006">
-    <mc:Choice xmlns:p15="http://schemas.microsoft.com/office/powerpoint/2012/main" Requires="p15">
+  <mc:AlternateContent xmlns:mc="http://schemas.openxmlformats.org/markup-compatibility/2006" xmlns:p15="http://schemas.microsoft.com/office/powerpoint/2012/main">
+    <mc:Choice Requires="p15">
       <p:transition xmlns:p14="http://schemas.microsoft.com/office/powerpoint/2010/main" spd="slow" p14:dur="6000">
         <p15:prstTrans prst="curtains"/>
       </p:transition>
     </mc:Choice>
-    <mc:Fallback>
+    <mc:Fallback xmlns="">
       <p:transition spd="slow">
         <p:fade/>
       </p:transition>
@@ -9095,13 +9312,13 @@
   <p:clrMapOvr>
     <a:masterClrMapping/>
   </p:clrMapOvr>
-  <mc:AlternateContent xmlns:mc="http://schemas.openxmlformats.org/markup-compatibility/2006">
-    <mc:Choice xmlns:p15="http://schemas.microsoft.com/office/powerpoint/2012/main" Requires="p15">
+  <mc:AlternateContent xmlns:mc="http://schemas.openxmlformats.org/markup-compatibility/2006" xmlns:p15="http://schemas.microsoft.com/office/powerpoint/2012/main">
+    <mc:Choice Requires="p15">
       <p:transition xmlns:p14="http://schemas.microsoft.com/office/powerpoint/2010/main" spd="slow" p14:dur="6000">
         <p15:prstTrans prst="curtains"/>
       </p:transition>
     </mc:Choice>
-    <mc:Fallback>
+    <mc:Fallback xmlns="">
       <p:transition spd="slow">
         <p:fade/>
       </p:transition>
@@ -9450,13 +9667,13 @@
   <p:clrMapOvr>
     <a:masterClrMapping/>
   </p:clrMapOvr>
-  <mc:AlternateContent xmlns:mc="http://schemas.openxmlformats.org/markup-compatibility/2006">
-    <mc:Choice xmlns:p15="http://schemas.microsoft.com/office/powerpoint/2012/main" Requires="p15">
+  <mc:AlternateContent xmlns:mc="http://schemas.openxmlformats.org/markup-compatibility/2006" xmlns:p15="http://schemas.microsoft.com/office/powerpoint/2012/main">
+    <mc:Choice Requires="p15">
       <p:transition xmlns:p14="http://schemas.microsoft.com/office/powerpoint/2010/main" spd="slow" p14:dur="6000">
         <p15:prstTrans prst="curtains"/>
       </p:transition>
     </mc:Choice>
-    <mc:Fallback>
+    <mc:Fallback xmlns="">
       <p:transition spd="slow">
         <p:fade/>
       </p:transition>
@@ -9689,13 +9906,13 @@
   <p:clrMapOvr>
     <a:masterClrMapping/>
   </p:clrMapOvr>
-  <mc:AlternateContent xmlns:mc="http://schemas.openxmlformats.org/markup-compatibility/2006">
-    <mc:Choice xmlns:p15="http://schemas.microsoft.com/office/powerpoint/2012/main" Requires="p15">
+  <mc:AlternateContent xmlns:mc="http://schemas.openxmlformats.org/markup-compatibility/2006" xmlns:p15="http://schemas.microsoft.com/office/powerpoint/2012/main">
+    <mc:Choice Requires="p15">
       <p:transition xmlns:p14="http://schemas.microsoft.com/office/powerpoint/2010/main" spd="slow" p14:dur="6000">
         <p15:prstTrans prst="curtains"/>
       </p:transition>
     </mc:Choice>
-    <mc:Fallback>
+    <mc:Fallback xmlns="">
       <p:transition spd="slow">
         <p:fade/>
       </p:transition>
@@ -9896,13 +10113,13 @@
   <p:clrMapOvr>
     <a:masterClrMapping/>
   </p:clrMapOvr>
-  <mc:AlternateContent xmlns:mc="http://schemas.openxmlformats.org/markup-compatibility/2006">
-    <mc:Choice xmlns:p15="http://schemas.microsoft.com/office/powerpoint/2012/main" Requires="p15">
+  <mc:AlternateContent xmlns:mc="http://schemas.openxmlformats.org/markup-compatibility/2006" xmlns:p15="http://schemas.microsoft.com/office/powerpoint/2012/main">
+    <mc:Choice Requires="p15">
       <p:transition xmlns:p14="http://schemas.microsoft.com/office/powerpoint/2010/main" spd="slow" p14:dur="6000">
         <p15:prstTrans prst="curtains"/>
       </p:transition>
     </mc:Choice>
-    <mc:Fallback>
+    <mc:Fallback xmlns="">
       <p:transition spd="slow">
         <p:fade/>
       </p:transition>
@@ -9968,13 +10185,13 @@
   <p:clrMapOvr>
     <a:masterClrMapping/>
   </p:clrMapOvr>
-  <mc:AlternateContent xmlns:mc="http://schemas.openxmlformats.org/markup-compatibility/2006">
-    <mc:Choice xmlns:p15="http://schemas.microsoft.com/office/powerpoint/2012/main" Requires="p15">
+  <mc:AlternateContent xmlns:mc="http://schemas.openxmlformats.org/markup-compatibility/2006" xmlns:p15="http://schemas.microsoft.com/office/powerpoint/2012/main">
+    <mc:Choice Requires="p15">
       <p:transition xmlns:p14="http://schemas.microsoft.com/office/powerpoint/2010/main" spd="slow" p14:dur="6000">
         <p15:prstTrans prst="curtains"/>
       </p:transition>
     </mc:Choice>
-    <mc:Fallback>
+    <mc:Fallback xmlns="">
       <p:transition spd="slow">
         <p:fade/>
       </p:transition>
@@ -10041,13 +10258,13 @@
   <p:clrMapOvr>
     <a:masterClrMapping/>
   </p:clrMapOvr>
-  <mc:AlternateContent xmlns:mc="http://schemas.openxmlformats.org/markup-compatibility/2006">
-    <mc:Choice xmlns:p15="http://schemas.microsoft.com/office/powerpoint/2012/main" Requires="p15">
+  <mc:AlternateContent xmlns:mc="http://schemas.openxmlformats.org/markup-compatibility/2006" xmlns:p15="http://schemas.microsoft.com/office/powerpoint/2012/main">
+    <mc:Choice Requires="p15">
       <p:transition xmlns:p14="http://schemas.microsoft.com/office/powerpoint/2010/main" spd="slow" p14:dur="6000">
         <p15:prstTrans prst="curtains"/>
       </p:transition>
     </mc:Choice>
-    <mc:Fallback>
+    <mc:Fallback xmlns="">
       <p:transition spd="slow">
         <p:fade/>
       </p:transition>
@@ -10113,13 +10330,13 @@
   <p:clrMapOvr>
     <a:masterClrMapping/>
   </p:clrMapOvr>
-  <mc:AlternateContent xmlns:mc="http://schemas.openxmlformats.org/markup-compatibility/2006">
-    <mc:Choice xmlns:p15="http://schemas.microsoft.com/office/powerpoint/2012/main" Requires="p15">
+  <mc:AlternateContent xmlns:mc="http://schemas.openxmlformats.org/markup-compatibility/2006" xmlns:p15="http://schemas.microsoft.com/office/powerpoint/2012/main">
+    <mc:Choice Requires="p15">
       <p:transition xmlns:p14="http://schemas.microsoft.com/office/powerpoint/2010/main" spd="slow" p14:dur="6000">
         <p15:prstTrans prst="curtains"/>
       </p:transition>
     </mc:Choice>
-    <mc:Fallback>
+    <mc:Fallback xmlns="">
       <p:transition spd="slow">
         <p:fade/>
       </p:transition>
